--- a/clases/Cap_02_Color/presentations/IMG02_ArtisticFilters.pptx
+++ b/clases/Cap_02_Color/presentations/IMG02_ArtisticFilters.pptx
@@ -111,6 +111,11 @@
       </a:defRPr>
     </a:lvl9pPr>
   </p:defaultTextStyle>
+  <p:extLst>
+    <p:ext uri="{EFAFB233-063F-42B5-8137-9DF3F51BA10A}">
+      <p15:sldGuideLst xmlns:p15="http://schemas.microsoft.com/office/powerpoint/2012/main"/>
+    </p:ext>
+  </p:extLst>
 </p:presentation>
 </file>
 
@@ -196,7 +201,7 @@
           <a:p>
             <a:fld id="{CC357C96-B587-224C-959B-F786722BFD6C}" type="datetimeFigureOut">
               <a:rPr lang="es-ES_tradnl" smtClean="0"/>
-              <a:t>20/10/16</a:t>
+              <a:t>26/7/19</a:t>
             </a:fld>
             <a:endParaRPr lang="es-ES_tradnl"/>
           </a:p>
@@ -260,35 +265,35 @@
           <a:p>
             <a:pPr lvl="0"/>
             <a:r>
-              <a:rPr lang="en-US" smtClean="0"/>
+              <a:rPr lang="en-US"/>
               <a:t>Click to edit Master text styles</a:t>
             </a:r>
           </a:p>
           <a:p>
             <a:pPr lvl="1"/>
             <a:r>
-              <a:rPr lang="en-US" smtClean="0"/>
+              <a:rPr lang="en-US"/>
               <a:t>Second level</a:t>
             </a:r>
           </a:p>
           <a:p>
             <a:pPr lvl="2"/>
             <a:r>
-              <a:rPr lang="en-US" smtClean="0"/>
+              <a:rPr lang="en-US"/>
               <a:t>Third level</a:t>
             </a:r>
           </a:p>
           <a:p>
             <a:pPr lvl="3"/>
             <a:r>
-              <a:rPr lang="en-US" smtClean="0"/>
+              <a:rPr lang="en-US"/>
               <a:t>Fourth level</a:t>
             </a:r>
           </a:p>
           <a:p>
             <a:pPr lvl="4"/>
             <a:r>
-              <a:rPr lang="en-US" smtClean="0"/>
+              <a:rPr lang="en-US"/>
               <a:t>Fifth level</a:t>
             </a:r>
             <a:endParaRPr lang="es-ES_tradnl"/>
@@ -540,7 +545,7 @@
           <a:lstStyle/>
           <a:p>
             <a:pPr eaLnBrk="1" hangingPunct="1"/>
-            <a:endParaRPr lang="es-ES" smtClean="0"/>
+            <a:endParaRPr lang="es-ES"/>
           </a:p>
         </p:txBody>
       </p:sp>
@@ -599,7 +604,7 @@
           </a:lstStyle>
           <a:p>
             <a:r>
-              <a:rPr lang="en-US" smtClean="0"/>
+              <a:rPr lang="en-US"/>
               <a:t>Click to edit Master title style</a:t>
             </a:r>
             <a:endParaRPr lang="es-ES_tradnl"/>
@@ -664,7 +669,7 @@
           </a:lstStyle>
           <a:p>
             <a:r>
-              <a:rPr lang="en-US" smtClean="0"/>
+              <a:rPr lang="en-US"/>
               <a:t>Click to edit Master subtitle style</a:t>
             </a:r>
             <a:endParaRPr lang="es-ES_tradnl"/>
@@ -688,7 +693,7 @@
           <a:p>
             <a:fld id="{0EB1746E-1582-8C46-82D1-5B5E673EA930}" type="datetimeFigureOut">
               <a:rPr lang="es-ES_tradnl" smtClean="0"/>
-              <a:t>20/10/16</a:t>
+              <a:t>26/7/19</a:t>
             </a:fld>
             <a:endParaRPr lang="es-ES_tradnl"/>
           </a:p>
@@ -782,7 +787,7 @@
           <a:lstStyle/>
           <a:p>
             <a:r>
-              <a:rPr lang="en-US" smtClean="0"/>
+              <a:rPr lang="en-US"/>
               <a:t>Click to edit Master title style</a:t>
             </a:r>
             <a:endParaRPr lang="es-ES_tradnl"/>
@@ -806,35 +811,35 @@
           <a:p>
             <a:pPr lvl="0"/>
             <a:r>
-              <a:rPr lang="en-US" smtClean="0"/>
+              <a:rPr lang="en-US"/>
               <a:t>Click to edit Master text styles</a:t>
             </a:r>
           </a:p>
           <a:p>
             <a:pPr lvl="1"/>
             <a:r>
-              <a:rPr lang="en-US" smtClean="0"/>
+              <a:rPr lang="en-US"/>
               <a:t>Second level</a:t>
             </a:r>
           </a:p>
           <a:p>
             <a:pPr lvl="2"/>
             <a:r>
-              <a:rPr lang="en-US" smtClean="0"/>
+              <a:rPr lang="en-US"/>
               <a:t>Third level</a:t>
             </a:r>
           </a:p>
           <a:p>
             <a:pPr lvl="3"/>
             <a:r>
-              <a:rPr lang="en-US" smtClean="0"/>
+              <a:rPr lang="en-US"/>
               <a:t>Fourth level</a:t>
             </a:r>
           </a:p>
           <a:p>
             <a:pPr lvl="4"/>
             <a:r>
-              <a:rPr lang="en-US" smtClean="0"/>
+              <a:rPr lang="en-US"/>
               <a:t>Fifth level</a:t>
             </a:r>
             <a:endParaRPr lang="es-ES_tradnl"/>
@@ -858,7 +863,7 @@
           <a:p>
             <a:fld id="{0EB1746E-1582-8C46-82D1-5B5E673EA930}" type="datetimeFigureOut">
               <a:rPr lang="es-ES_tradnl" smtClean="0"/>
-              <a:t>20/10/16</a:t>
+              <a:t>26/7/19</a:t>
             </a:fld>
             <a:endParaRPr lang="es-ES_tradnl"/>
           </a:p>
@@ -957,7 +962,7 @@
           <a:lstStyle/>
           <a:p>
             <a:r>
-              <a:rPr lang="en-US" smtClean="0"/>
+              <a:rPr lang="en-US"/>
               <a:t>Click to edit Master title style</a:t>
             </a:r>
             <a:endParaRPr lang="es-ES_tradnl"/>
@@ -986,35 +991,35 @@
           <a:p>
             <a:pPr lvl="0"/>
             <a:r>
-              <a:rPr lang="en-US" smtClean="0"/>
+              <a:rPr lang="en-US"/>
               <a:t>Click to edit Master text styles</a:t>
             </a:r>
           </a:p>
           <a:p>
             <a:pPr lvl="1"/>
             <a:r>
-              <a:rPr lang="en-US" smtClean="0"/>
+              <a:rPr lang="en-US"/>
               <a:t>Second level</a:t>
             </a:r>
           </a:p>
           <a:p>
             <a:pPr lvl="2"/>
             <a:r>
-              <a:rPr lang="en-US" smtClean="0"/>
+              <a:rPr lang="en-US"/>
               <a:t>Third level</a:t>
             </a:r>
           </a:p>
           <a:p>
             <a:pPr lvl="3"/>
             <a:r>
-              <a:rPr lang="en-US" smtClean="0"/>
+              <a:rPr lang="en-US"/>
               <a:t>Fourth level</a:t>
             </a:r>
           </a:p>
           <a:p>
             <a:pPr lvl="4"/>
             <a:r>
-              <a:rPr lang="en-US" smtClean="0"/>
+              <a:rPr lang="en-US"/>
               <a:t>Fifth level</a:t>
             </a:r>
             <a:endParaRPr lang="es-ES_tradnl"/>
@@ -1038,7 +1043,7 @@
           <a:p>
             <a:fld id="{0EB1746E-1582-8C46-82D1-5B5E673EA930}" type="datetimeFigureOut">
               <a:rPr lang="es-ES_tradnl" smtClean="0"/>
-              <a:t>20/10/16</a:t>
+              <a:t>26/7/19</a:t>
             </a:fld>
             <a:endParaRPr lang="es-ES_tradnl"/>
           </a:p>
@@ -1132,7 +1137,7 @@
           <a:lstStyle/>
           <a:p>
             <a:r>
-              <a:rPr lang="en-US" smtClean="0"/>
+              <a:rPr lang="en-US"/>
               <a:t>Click to edit Master title style</a:t>
             </a:r>
             <a:endParaRPr lang="es-ES_tradnl"/>
@@ -1156,35 +1161,35 @@
           <a:p>
             <a:pPr lvl="0"/>
             <a:r>
-              <a:rPr lang="en-US" smtClean="0"/>
+              <a:rPr lang="en-US"/>
               <a:t>Click to edit Master text styles</a:t>
             </a:r>
           </a:p>
           <a:p>
             <a:pPr lvl="1"/>
             <a:r>
-              <a:rPr lang="en-US" smtClean="0"/>
+              <a:rPr lang="en-US"/>
               <a:t>Second level</a:t>
             </a:r>
           </a:p>
           <a:p>
             <a:pPr lvl="2"/>
             <a:r>
-              <a:rPr lang="en-US" smtClean="0"/>
+              <a:rPr lang="en-US"/>
               <a:t>Third level</a:t>
             </a:r>
           </a:p>
           <a:p>
             <a:pPr lvl="3"/>
             <a:r>
-              <a:rPr lang="en-US" smtClean="0"/>
+              <a:rPr lang="en-US"/>
               <a:t>Fourth level</a:t>
             </a:r>
           </a:p>
           <a:p>
             <a:pPr lvl="4"/>
             <a:r>
-              <a:rPr lang="en-US" smtClean="0"/>
+              <a:rPr lang="en-US"/>
               <a:t>Fifth level</a:t>
             </a:r>
             <a:endParaRPr lang="es-ES_tradnl"/>
@@ -1208,7 +1213,7 @@
           <a:p>
             <a:fld id="{0EB1746E-1582-8C46-82D1-5B5E673EA930}" type="datetimeFigureOut">
               <a:rPr lang="es-ES_tradnl" smtClean="0"/>
-              <a:t>20/10/16</a:t>
+              <a:t>26/7/19</a:t>
             </a:fld>
             <a:endParaRPr lang="es-ES_tradnl"/>
           </a:p>
@@ -1311,7 +1316,7 @@
           </a:lstStyle>
           <a:p>
             <a:r>
-              <a:rPr lang="en-US" smtClean="0"/>
+              <a:rPr lang="en-US"/>
               <a:t>Click to edit Master title style</a:t>
             </a:r>
             <a:endParaRPr lang="es-ES_tradnl"/>
@@ -1431,7 +1436,7 @@
           <a:p>
             <a:pPr lvl="0"/>
             <a:r>
-              <a:rPr lang="en-US" smtClean="0"/>
+              <a:rPr lang="en-US"/>
               <a:t>Click to edit Master text styles</a:t>
             </a:r>
           </a:p>
@@ -1454,7 +1459,7 @@
           <a:p>
             <a:fld id="{0EB1746E-1582-8C46-82D1-5B5E673EA930}" type="datetimeFigureOut">
               <a:rPr lang="es-ES_tradnl" smtClean="0"/>
-              <a:t>20/10/16</a:t>
+              <a:t>26/7/19</a:t>
             </a:fld>
             <a:endParaRPr lang="es-ES_tradnl"/>
           </a:p>
@@ -1548,7 +1553,7 @@
           <a:lstStyle/>
           <a:p>
             <a:r>
-              <a:rPr lang="en-US" smtClean="0"/>
+              <a:rPr lang="en-US"/>
               <a:t>Click to edit Master title style</a:t>
             </a:r>
             <a:endParaRPr lang="es-ES_tradnl"/>
@@ -1577,35 +1582,35 @@
           <a:p>
             <a:pPr lvl="0"/>
             <a:r>
-              <a:rPr lang="en-US" smtClean="0"/>
+              <a:rPr lang="en-US"/>
               <a:t>Click to edit Master text styles</a:t>
             </a:r>
           </a:p>
           <a:p>
             <a:pPr lvl="1"/>
             <a:r>
-              <a:rPr lang="en-US" smtClean="0"/>
+              <a:rPr lang="en-US"/>
               <a:t>Second level</a:t>
             </a:r>
           </a:p>
           <a:p>
             <a:pPr lvl="2"/>
             <a:r>
-              <a:rPr lang="en-US" smtClean="0"/>
+              <a:rPr lang="en-US"/>
               <a:t>Third level</a:t>
             </a:r>
           </a:p>
           <a:p>
             <a:pPr lvl="3"/>
             <a:r>
-              <a:rPr lang="en-US" smtClean="0"/>
+              <a:rPr lang="en-US"/>
               <a:t>Fourth level</a:t>
             </a:r>
           </a:p>
           <a:p>
             <a:pPr lvl="4"/>
             <a:r>
-              <a:rPr lang="en-US" smtClean="0"/>
+              <a:rPr lang="en-US"/>
               <a:t>Fifth level</a:t>
             </a:r>
             <a:endParaRPr lang="es-ES_tradnl"/>
@@ -1634,35 +1639,35 @@
           <a:p>
             <a:pPr lvl="0"/>
             <a:r>
-              <a:rPr lang="en-US" smtClean="0"/>
+              <a:rPr lang="en-US"/>
               <a:t>Click to edit Master text styles</a:t>
             </a:r>
           </a:p>
           <a:p>
             <a:pPr lvl="1"/>
             <a:r>
-              <a:rPr lang="en-US" smtClean="0"/>
+              <a:rPr lang="en-US"/>
               <a:t>Second level</a:t>
             </a:r>
           </a:p>
           <a:p>
             <a:pPr lvl="2"/>
             <a:r>
-              <a:rPr lang="en-US" smtClean="0"/>
+              <a:rPr lang="en-US"/>
               <a:t>Third level</a:t>
             </a:r>
           </a:p>
           <a:p>
             <a:pPr lvl="3"/>
             <a:r>
-              <a:rPr lang="en-US" smtClean="0"/>
+              <a:rPr lang="en-US"/>
               <a:t>Fourth level</a:t>
             </a:r>
           </a:p>
           <a:p>
             <a:pPr lvl="4"/>
             <a:r>
-              <a:rPr lang="en-US" smtClean="0"/>
+              <a:rPr lang="en-US"/>
               <a:t>Fifth level</a:t>
             </a:r>
             <a:endParaRPr lang="es-ES_tradnl"/>
@@ -1686,7 +1691,7 @@
           <a:p>
             <a:fld id="{0EB1746E-1582-8C46-82D1-5B5E673EA930}" type="datetimeFigureOut">
               <a:rPr lang="es-ES_tradnl" smtClean="0"/>
-              <a:t>20/10/16</a:t>
+              <a:t>26/7/19</a:t>
             </a:fld>
             <a:endParaRPr lang="es-ES_tradnl"/>
           </a:p>
@@ -1785,7 +1790,7 @@
           <a:lstStyle/>
           <a:p>
             <a:r>
-              <a:rPr lang="en-US" smtClean="0"/>
+              <a:rPr lang="en-US"/>
               <a:t>Click to edit Master title style</a:t>
             </a:r>
             <a:endParaRPr lang="es-ES_tradnl"/>
@@ -1851,7 +1856,7 @@
           <a:p>
             <a:pPr lvl="0"/>
             <a:r>
-              <a:rPr lang="en-US" smtClean="0"/>
+              <a:rPr lang="en-US"/>
               <a:t>Click to edit Master text styles</a:t>
             </a:r>
           </a:p>
@@ -1879,35 +1884,35 @@
           <a:p>
             <a:pPr lvl="0"/>
             <a:r>
-              <a:rPr lang="en-US" smtClean="0"/>
+              <a:rPr lang="en-US"/>
               <a:t>Click to edit Master text styles</a:t>
             </a:r>
           </a:p>
           <a:p>
             <a:pPr lvl="1"/>
             <a:r>
-              <a:rPr lang="en-US" smtClean="0"/>
+              <a:rPr lang="en-US"/>
               <a:t>Second level</a:t>
             </a:r>
           </a:p>
           <a:p>
             <a:pPr lvl="2"/>
             <a:r>
-              <a:rPr lang="en-US" smtClean="0"/>
+              <a:rPr lang="en-US"/>
               <a:t>Third level</a:t>
             </a:r>
           </a:p>
           <a:p>
             <a:pPr lvl="3"/>
             <a:r>
-              <a:rPr lang="en-US" smtClean="0"/>
+              <a:rPr lang="en-US"/>
               <a:t>Fourth level</a:t>
             </a:r>
           </a:p>
           <a:p>
             <a:pPr lvl="4"/>
             <a:r>
-              <a:rPr lang="en-US" smtClean="0"/>
+              <a:rPr lang="en-US"/>
               <a:t>Fifth level</a:t>
             </a:r>
             <a:endParaRPr lang="es-ES_tradnl"/>
@@ -1973,7 +1978,7 @@
           <a:p>
             <a:pPr lvl="0"/>
             <a:r>
-              <a:rPr lang="en-US" smtClean="0"/>
+              <a:rPr lang="en-US"/>
               <a:t>Click to edit Master text styles</a:t>
             </a:r>
           </a:p>
@@ -2001,35 +2006,35 @@
           <a:p>
             <a:pPr lvl="0"/>
             <a:r>
-              <a:rPr lang="en-US" smtClean="0"/>
+              <a:rPr lang="en-US"/>
               <a:t>Click to edit Master text styles</a:t>
             </a:r>
           </a:p>
           <a:p>
             <a:pPr lvl="1"/>
             <a:r>
-              <a:rPr lang="en-US" smtClean="0"/>
+              <a:rPr lang="en-US"/>
               <a:t>Second level</a:t>
             </a:r>
           </a:p>
           <a:p>
             <a:pPr lvl="2"/>
             <a:r>
-              <a:rPr lang="en-US" smtClean="0"/>
+              <a:rPr lang="en-US"/>
               <a:t>Third level</a:t>
             </a:r>
           </a:p>
           <a:p>
             <a:pPr lvl="3"/>
             <a:r>
-              <a:rPr lang="en-US" smtClean="0"/>
+              <a:rPr lang="en-US"/>
               <a:t>Fourth level</a:t>
             </a:r>
           </a:p>
           <a:p>
             <a:pPr lvl="4"/>
             <a:r>
-              <a:rPr lang="en-US" smtClean="0"/>
+              <a:rPr lang="en-US"/>
               <a:t>Fifth level</a:t>
             </a:r>
             <a:endParaRPr lang="es-ES_tradnl"/>
@@ -2053,7 +2058,7 @@
           <a:p>
             <a:fld id="{0EB1746E-1582-8C46-82D1-5B5E673EA930}" type="datetimeFigureOut">
               <a:rPr lang="es-ES_tradnl" smtClean="0"/>
-              <a:t>20/10/16</a:t>
+              <a:t>26/7/19</a:t>
             </a:fld>
             <a:endParaRPr lang="es-ES_tradnl"/>
           </a:p>
@@ -2147,7 +2152,7 @@
           <a:lstStyle/>
           <a:p>
             <a:r>
-              <a:rPr lang="en-US" smtClean="0"/>
+              <a:rPr lang="en-US"/>
               <a:t>Click to edit Master title style</a:t>
             </a:r>
             <a:endParaRPr lang="es-ES_tradnl"/>
@@ -2171,7 +2176,7 @@
           <a:p>
             <a:fld id="{0EB1746E-1582-8C46-82D1-5B5E673EA930}" type="datetimeFigureOut">
               <a:rPr lang="es-ES_tradnl" smtClean="0"/>
-              <a:t>20/10/16</a:t>
+              <a:t>26/7/19</a:t>
             </a:fld>
             <a:endParaRPr lang="es-ES_tradnl"/>
           </a:p>
@@ -2266,7 +2271,7 @@
           <a:p>
             <a:fld id="{0EB1746E-1582-8C46-82D1-5B5E673EA930}" type="datetimeFigureOut">
               <a:rPr lang="es-ES_tradnl" smtClean="0"/>
-              <a:t>20/10/16</a:t>
+              <a:t>26/7/19</a:t>
             </a:fld>
             <a:endParaRPr lang="es-ES_tradnl"/>
           </a:p>
@@ -2369,7 +2374,7 @@
           </a:lstStyle>
           <a:p>
             <a:r>
-              <a:rPr lang="en-US" smtClean="0"/>
+              <a:rPr lang="en-US"/>
               <a:t>Click to edit Master title style</a:t>
             </a:r>
             <a:endParaRPr lang="es-ES_tradnl"/>
@@ -2426,35 +2431,35 @@
           <a:p>
             <a:pPr lvl="0"/>
             <a:r>
-              <a:rPr lang="en-US" smtClean="0"/>
+              <a:rPr lang="en-US"/>
               <a:t>Click to edit Master text styles</a:t>
             </a:r>
           </a:p>
           <a:p>
             <a:pPr lvl="1"/>
             <a:r>
-              <a:rPr lang="en-US" smtClean="0"/>
+              <a:rPr lang="en-US"/>
               <a:t>Second level</a:t>
             </a:r>
           </a:p>
           <a:p>
             <a:pPr lvl="2"/>
             <a:r>
-              <a:rPr lang="en-US" smtClean="0"/>
+              <a:rPr lang="en-US"/>
               <a:t>Third level</a:t>
             </a:r>
           </a:p>
           <a:p>
             <a:pPr lvl="3"/>
             <a:r>
-              <a:rPr lang="en-US" smtClean="0"/>
+              <a:rPr lang="en-US"/>
               <a:t>Fourth level</a:t>
             </a:r>
           </a:p>
           <a:p>
             <a:pPr lvl="4"/>
             <a:r>
-              <a:rPr lang="en-US" smtClean="0"/>
+              <a:rPr lang="en-US"/>
               <a:t>Fifth level</a:t>
             </a:r>
             <a:endParaRPr lang="es-ES_tradnl"/>
@@ -2520,7 +2525,7 @@
           <a:p>
             <a:pPr lvl="0"/>
             <a:r>
-              <a:rPr lang="en-US" smtClean="0"/>
+              <a:rPr lang="en-US"/>
               <a:t>Click to edit Master text styles</a:t>
             </a:r>
           </a:p>
@@ -2543,7 +2548,7 @@
           <a:p>
             <a:fld id="{0EB1746E-1582-8C46-82D1-5B5E673EA930}" type="datetimeFigureOut">
               <a:rPr lang="es-ES_tradnl" smtClean="0"/>
-              <a:t>20/10/16</a:t>
+              <a:t>26/7/19</a:t>
             </a:fld>
             <a:endParaRPr lang="es-ES_tradnl"/>
           </a:p>
@@ -2646,7 +2651,7 @@
           </a:lstStyle>
           <a:p>
             <a:r>
-              <a:rPr lang="en-US" smtClean="0"/>
+              <a:rPr lang="en-US"/>
               <a:t>Click to edit Master title style</a:t>
             </a:r>
             <a:endParaRPr lang="es-ES_tradnl"/>
@@ -2773,7 +2778,7 @@
           <a:p>
             <a:pPr lvl="0"/>
             <a:r>
-              <a:rPr lang="en-US" smtClean="0"/>
+              <a:rPr lang="en-US"/>
               <a:t>Click to edit Master text styles</a:t>
             </a:r>
           </a:p>
@@ -2796,7 +2801,7 @@
           <a:p>
             <a:fld id="{0EB1746E-1582-8C46-82D1-5B5E673EA930}" type="datetimeFigureOut">
               <a:rPr lang="es-ES_tradnl" smtClean="0"/>
-              <a:t>20/10/16</a:t>
+              <a:t>26/7/19</a:t>
             </a:fld>
             <a:endParaRPr lang="es-ES_tradnl"/>
           </a:p>
@@ -2905,7 +2910,7 @@
           <a:lstStyle/>
           <a:p>
             <a:r>
-              <a:rPr lang="en-US" smtClean="0"/>
+              <a:rPr lang="en-US"/>
               <a:t>Click to edit Master title style</a:t>
             </a:r>
             <a:endParaRPr lang="es-ES_tradnl"/>
@@ -2939,35 +2944,35 @@
           <a:p>
             <a:pPr lvl="0"/>
             <a:r>
-              <a:rPr lang="en-US" smtClean="0"/>
+              <a:rPr lang="en-US"/>
               <a:t>Click to edit Master text styles</a:t>
             </a:r>
           </a:p>
           <a:p>
             <a:pPr lvl="1"/>
             <a:r>
-              <a:rPr lang="en-US" smtClean="0"/>
+              <a:rPr lang="en-US"/>
               <a:t>Second level</a:t>
             </a:r>
           </a:p>
           <a:p>
             <a:pPr lvl="2"/>
             <a:r>
-              <a:rPr lang="en-US" smtClean="0"/>
+              <a:rPr lang="en-US"/>
               <a:t>Third level</a:t>
             </a:r>
           </a:p>
           <a:p>
             <a:pPr lvl="3"/>
             <a:r>
-              <a:rPr lang="en-US" smtClean="0"/>
+              <a:rPr lang="en-US"/>
               <a:t>Fourth level</a:t>
             </a:r>
           </a:p>
           <a:p>
             <a:pPr lvl="4"/>
             <a:r>
-              <a:rPr lang="en-US" smtClean="0"/>
+              <a:rPr lang="en-US"/>
               <a:t>Fifth level</a:t>
             </a:r>
             <a:endParaRPr lang="es-ES_tradnl"/>
@@ -3009,7 +3014,7 @@
           <a:p>
             <a:fld id="{0EB1746E-1582-8C46-82D1-5B5E673EA930}" type="datetimeFigureOut">
               <a:rPr lang="es-ES_tradnl" smtClean="0"/>
-              <a:t>20/10/16</a:t>
+              <a:t>26/7/19</a:t>
             </a:fld>
             <a:endParaRPr lang="es-ES_tradnl"/>
           </a:p>
@@ -3432,8 +3437,8 @@
         </p:nvSpPr>
         <p:spPr bwMode="auto">
           <a:xfrm>
-            <a:off x="4074224" y="1690179"/>
-            <a:ext cx="4010230" cy="3724094"/>
+            <a:off x="4073022" y="1690179"/>
+            <a:ext cx="4012635" cy="3539428"/>
           </a:xfrm>
           <a:prstGeom prst="rect">
             <a:avLst/>
@@ -3800,13 +3805,10 @@
                 </a:solidFill>
                 <a:latin typeface="Trebuchet MS" pitchFamily="34" charset="0"/>
               </a:rPr>
-              <a:t>Universidad Católica de Chile</a:t>
-            </a:r>
-          </a:p>
-          <a:p>
-            <a:pPr algn="ctr"/>
-            <a:r>
-              <a:rPr lang="es-CL" sz="1200" dirty="0">
+              <a:t>Universidad Católica </a:t>
+            </a:r>
+            <a:r>
+              <a:rPr lang="es-CL" sz="1200">
                 <a:solidFill>
                   <a:schemeClr val="bg1">
                     <a:lumMod val="75000"/>
@@ -3814,20 +3816,9 @@
                 </a:solidFill>
                 <a:latin typeface="Trebuchet MS" pitchFamily="34" charset="0"/>
               </a:rPr>
-              <a:t>Semestre </a:t>
-            </a:r>
-            <a:r>
-              <a:rPr lang="es-CL" sz="1200" dirty="0">
-                <a:solidFill>
-                  <a:schemeClr val="bg1">
-                    <a:lumMod val="75000"/>
-                  </a:schemeClr>
-                </a:solidFill>
-                <a:latin typeface="Trebuchet MS" pitchFamily="34" charset="0"/>
-              </a:rPr>
-              <a:t>2016-2</a:t>
-            </a:r>
-            <a:endParaRPr lang="en-US" sz="1200" dirty="0">
+              <a:t>de Chile</a:t>
+            </a:r>
+            <a:endParaRPr lang="es-CL" sz="1200" dirty="0">
               <a:solidFill>
                 <a:schemeClr val="bg1">
                   <a:lumMod val="75000"/>
@@ -4127,7 +4118,7 @@
           <a:p>
             <a:pPr algn="ctr"/>
             <a:r>
-              <a:rPr lang="es-CL" sz="2400" b="1" smtClean="0">
+              <a:rPr lang="es-CL" sz="2400" b="1" dirty="0">
                 <a:solidFill>
                   <a:srgbClr val="FFFFFF"/>
                 </a:solidFill>
@@ -4136,13 +4127,6 @@
               </a:rPr>
               <a:t>Filtros Artísticos</a:t>
             </a:r>
-            <a:endParaRPr lang="es-CL" sz="2400" b="1" dirty="0">
-              <a:solidFill>
-                <a:srgbClr val="FFFFFF"/>
-              </a:solidFill>
-              <a:latin typeface="Trebuchet MS"/>
-              <a:cs typeface="Trebuchet MS"/>
-            </a:endParaRPr>
           </a:p>
           <a:p>
             <a:pPr algn="ctr"/>
@@ -4164,27 +4148,7 @@
                 <a:latin typeface="Trebuchet MS"/>
                 <a:cs typeface="Trebuchet MS"/>
               </a:rPr>
-              <a:t>[ Capítulo </a:t>
-            </a:r>
-            <a:r>
-              <a:rPr lang="es-CL" sz="1000" dirty="0">
-                <a:solidFill>
-                  <a:srgbClr val="FFFFFF"/>
-                </a:solidFill>
-                <a:latin typeface="Trebuchet MS"/>
-                <a:cs typeface="Trebuchet MS"/>
-              </a:rPr>
-              <a:t>2 </a:t>
-            </a:r>
-            <a:r>
-              <a:rPr lang="es-CL" sz="1000" dirty="0">
-                <a:solidFill>
-                  <a:srgbClr val="FFFFFF"/>
-                </a:solidFill>
-                <a:latin typeface="Trebuchet MS"/>
-                <a:cs typeface="Trebuchet MS"/>
-              </a:rPr>
-              <a:t>]</a:t>
+              <a:t>[ Capítulo 2 ]</a:t>
             </a:r>
           </a:p>
           <a:p>
@@ -4219,14 +4183,6 @@
   <p:clrMapOvr>
     <a:masterClrMapping/>
   </p:clrMapOvr>
-  <mc:AlternateContent xmlns:mc="http://schemas.openxmlformats.org/markup-compatibility/2006" xmlns:p14="http://schemas.microsoft.com/office/powerpoint/2010/main">
-    <mc:Choice Requires="p14">
-      <p:transition p14:dur="0"/>
-    </mc:Choice>
-    <mc:Fallback xmlns="">
-      <p:transition xmlns:p14="http://schemas.microsoft.com/office/powerpoint/2010/main"/>
-    </mc:Fallback>
-  </mc:AlternateContent>
   <p:timing>
     <p:tnLst>
       <p:par>
@@ -4882,13 +4838,6 @@
   <p:clrMapOvr>
     <a:masterClrMapping/>
   </p:clrMapOvr>
-  <p:timing>
-    <p:tnLst>
-      <p:par>
-        <p:cTn id="1" dur="indefinite" restart="never" nodeType="tmRoot"/>
-      </p:par>
-    </p:tnLst>
-  </p:timing>
 </p:sld>
 </file>
 
@@ -4949,13 +4898,6 @@
   <p:clrMapOvr>
     <a:masterClrMapping/>
   </p:clrMapOvr>
-  <p:timing>
-    <p:tnLst>
-      <p:par>
-        <p:cTn id="1" dur="indefinite" restart="never" nodeType="tmRoot"/>
-      </p:par>
-    </p:tnLst>
-  </p:timing>
 </p:sld>
 </file>
 
@@ -5016,13 +4958,6 @@
   <p:clrMapOvr>
     <a:masterClrMapping/>
   </p:clrMapOvr>
-  <p:timing>
-    <p:tnLst>
-      <p:par>
-        <p:cTn id="1" dur="indefinite" restart="never" nodeType="tmRoot"/>
-      </p:par>
-    </p:tnLst>
-  </p:timing>
 </p:sld>
 </file>
 
@@ -5083,13 +5018,6 @@
   <p:clrMapOvr>
     <a:masterClrMapping/>
   </p:clrMapOvr>
-  <p:timing>
-    <p:tnLst>
-      <p:par>
-        <p:cTn id="1" dur="indefinite" restart="never" nodeType="tmRoot"/>
-      </p:par>
-    </p:tnLst>
-  </p:timing>
 </p:sld>
 </file>
 
